--- a/img/pics.pptx
+++ b/img/pics.pptx
@@ -7,14 +7,14 @@
   <p:sldIdLst>
     <p:sldId id="256" r:id="rId2"/>
   </p:sldIdLst>
-  <p:sldSz cx="3657600" cy="2643188"/>
+  <p:sldSz cx="1801813" cy="1801813"/>
   <p:notesSz cx="6858000" cy="9144000"/>
   <p:defaultTextStyle>
     <a:defPPr>
       <a:defRPr lang="en-US"/>
     </a:defPPr>
-    <a:lvl1pPr marL="0" algn="l" defTabSz="180000" rtl="0" eaLnBrk="1" latinLnBrk="0" hangingPunct="1">
-      <a:defRPr sz="700" kern="1200">
+    <a:lvl1pPr marL="0" algn="l" defTabSz="102942" rtl="0" eaLnBrk="1" latinLnBrk="0" hangingPunct="1">
+      <a:defRPr sz="400" kern="1200">
         <a:solidFill>
           <a:schemeClr val="tx1"/>
         </a:solidFill>
@@ -23,8 +23,8 @@
         <a:cs typeface="+mn-cs"/>
       </a:defRPr>
     </a:lvl1pPr>
-    <a:lvl2pPr marL="180000" algn="l" defTabSz="180000" rtl="0" eaLnBrk="1" latinLnBrk="0" hangingPunct="1">
-      <a:defRPr sz="700" kern="1200">
+    <a:lvl2pPr marL="102942" algn="l" defTabSz="102942" rtl="0" eaLnBrk="1" latinLnBrk="0" hangingPunct="1">
+      <a:defRPr sz="400" kern="1200">
         <a:solidFill>
           <a:schemeClr val="tx1"/>
         </a:solidFill>
@@ -33,8 +33,8 @@
         <a:cs typeface="+mn-cs"/>
       </a:defRPr>
     </a:lvl2pPr>
-    <a:lvl3pPr marL="359999" algn="l" defTabSz="180000" rtl="0" eaLnBrk="1" latinLnBrk="0" hangingPunct="1">
-      <a:defRPr sz="700" kern="1200">
+    <a:lvl3pPr marL="205883" algn="l" defTabSz="102942" rtl="0" eaLnBrk="1" latinLnBrk="0" hangingPunct="1">
+      <a:defRPr sz="400" kern="1200">
         <a:solidFill>
           <a:schemeClr val="tx1"/>
         </a:solidFill>
@@ -43,8 +43,8 @@
         <a:cs typeface="+mn-cs"/>
       </a:defRPr>
     </a:lvl3pPr>
-    <a:lvl4pPr marL="539999" algn="l" defTabSz="180000" rtl="0" eaLnBrk="1" latinLnBrk="0" hangingPunct="1">
-      <a:defRPr sz="700" kern="1200">
+    <a:lvl4pPr marL="308825" algn="l" defTabSz="102942" rtl="0" eaLnBrk="1" latinLnBrk="0" hangingPunct="1">
+      <a:defRPr sz="400" kern="1200">
         <a:solidFill>
           <a:schemeClr val="tx1"/>
         </a:solidFill>
@@ -53,8 +53,8 @@
         <a:cs typeface="+mn-cs"/>
       </a:defRPr>
     </a:lvl4pPr>
-    <a:lvl5pPr marL="719999" algn="l" defTabSz="180000" rtl="0" eaLnBrk="1" latinLnBrk="0" hangingPunct="1">
-      <a:defRPr sz="700" kern="1200">
+    <a:lvl5pPr marL="411767" algn="l" defTabSz="102942" rtl="0" eaLnBrk="1" latinLnBrk="0" hangingPunct="1">
+      <a:defRPr sz="400" kern="1200">
         <a:solidFill>
           <a:schemeClr val="tx1"/>
         </a:solidFill>
@@ -63,8 +63,8 @@
         <a:cs typeface="+mn-cs"/>
       </a:defRPr>
     </a:lvl5pPr>
-    <a:lvl6pPr marL="899998" algn="l" defTabSz="180000" rtl="0" eaLnBrk="1" latinLnBrk="0" hangingPunct="1">
-      <a:defRPr sz="700" kern="1200">
+    <a:lvl6pPr marL="514709" algn="l" defTabSz="102942" rtl="0" eaLnBrk="1" latinLnBrk="0" hangingPunct="1">
+      <a:defRPr sz="400" kern="1200">
         <a:solidFill>
           <a:schemeClr val="tx1"/>
         </a:solidFill>
@@ -73,8 +73,8 @@
         <a:cs typeface="+mn-cs"/>
       </a:defRPr>
     </a:lvl6pPr>
-    <a:lvl7pPr marL="1079998" algn="l" defTabSz="180000" rtl="0" eaLnBrk="1" latinLnBrk="0" hangingPunct="1">
-      <a:defRPr sz="700" kern="1200">
+    <a:lvl7pPr marL="617651" algn="l" defTabSz="102942" rtl="0" eaLnBrk="1" latinLnBrk="0" hangingPunct="1">
+      <a:defRPr sz="400" kern="1200">
         <a:solidFill>
           <a:schemeClr val="tx1"/>
         </a:solidFill>
@@ -83,8 +83,8 @@
         <a:cs typeface="+mn-cs"/>
       </a:defRPr>
     </a:lvl7pPr>
-    <a:lvl8pPr marL="1259997" algn="l" defTabSz="180000" rtl="0" eaLnBrk="1" latinLnBrk="0" hangingPunct="1">
-      <a:defRPr sz="700" kern="1200">
+    <a:lvl8pPr marL="720592" algn="l" defTabSz="102942" rtl="0" eaLnBrk="1" latinLnBrk="0" hangingPunct="1">
+      <a:defRPr sz="400" kern="1200">
         <a:solidFill>
           <a:schemeClr val="tx1"/>
         </a:solidFill>
@@ -93,8 +93,8 @@
         <a:cs typeface="+mn-cs"/>
       </a:defRPr>
     </a:lvl8pPr>
-    <a:lvl9pPr marL="1439997" algn="l" defTabSz="180000" rtl="0" eaLnBrk="1" latinLnBrk="0" hangingPunct="1">
-      <a:defRPr sz="700" kern="1200">
+    <a:lvl9pPr marL="823534" algn="l" defTabSz="102942" rtl="0" eaLnBrk="1" latinLnBrk="0" hangingPunct="1">
+      <a:defRPr sz="400" kern="1200">
         <a:solidFill>
           <a:schemeClr val="tx1"/>
         </a:solidFill>
@@ -136,8 +136,8 @@
         </p:nvSpPr>
         <p:spPr>
           <a:xfrm>
-            <a:off x="274320" y="821102"/>
-            <a:ext cx="3108960" cy="566572"/>
+            <a:off x="135136" y="559730"/>
+            <a:ext cx="1531541" cy="386222"/>
           </a:xfrm>
         </p:spPr>
         <p:txBody>
@@ -164,8 +164,8 @@
         </p:nvSpPr>
         <p:spPr>
           <a:xfrm>
-            <a:off x="548640" y="1497809"/>
-            <a:ext cx="2560320" cy="675481"/>
+            <a:off x="270272" y="1021029"/>
+            <a:ext cx="1261269" cy="460463"/>
           </a:xfrm>
         </p:spPr>
         <p:txBody>
@@ -181,7 +181,7 @@
                 </a:solidFill>
               </a:defRPr>
             </a:lvl1pPr>
-            <a:lvl2pPr marL="180000" indent="0" algn="ctr">
+            <a:lvl2pPr marL="102942" indent="0" algn="ctr">
               <a:buNone/>
               <a:defRPr>
                 <a:solidFill>
@@ -191,7 +191,7 @@
                 </a:solidFill>
               </a:defRPr>
             </a:lvl2pPr>
-            <a:lvl3pPr marL="359999" indent="0" algn="ctr">
+            <a:lvl3pPr marL="205883" indent="0" algn="ctr">
               <a:buNone/>
               <a:defRPr>
                 <a:solidFill>
@@ -201,7 +201,7 @@
                 </a:solidFill>
               </a:defRPr>
             </a:lvl3pPr>
-            <a:lvl4pPr marL="539999" indent="0" algn="ctr">
+            <a:lvl4pPr marL="308825" indent="0" algn="ctr">
               <a:buNone/>
               <a:defRPr>
                 <a:solidFill>
@@ -211,7 +211,7 @@
                 </a:solidFill>
               </a:defRPr>
             </a:lvl4pPr>
-            <a:lvl5pPr marL="719999" indent="0" algn="ctr">
+            <a:lvl5pPr marL="411767" indent="0" algn="ctr">
               <a:buNone/>
               <a:defRPr>
                 <a:solidFill>
@@ -221,7 +221,7 @@
                 </a:solidFill>
               </a:defRPr>
             </a:lvl5pPr>
-            <a:lvl6pPr marL="899998" indent="0" algn="ctr">
+            <a:lvl6pPr marL="514709" indent="0" algn="ctr">
               <a:buNone/>
               <a:defRPr>
                 <a:solidFill>
@@ -231,7 +231,7 @@
                 </a:solidFill>
               </a:defRPr>
             </a:lvl6pPr>
-            <a:lvl7pPr marL="1079998" indent="0" algn="ctr">
+            <a:lvl7pPr marL="617651" indent="0" algn="ctr">
               <a:buNone/>
               <a:defRPr>
                 <a:solidFill>
@@ -241,7 +241,7 @@
                 </a:solidFill>
               </a:defRPr>
             </a:lvl7pPr>
-            <a:lvl8pPr marL="1259997" indent="0" algn="ctr">
+            <a:lvl8pPr marL="720592" indent="0" algn="ctr">
               <a:buNone/>
               <a:defRPr>
                 <a:solidFill>
@@ -251,7 +251,7 @@
                 </a:solidFill>
               </a:defRPr>
             </a:lvl8pPr>
-            <a:lvl9pPr marL="1439997" indent="0" algn="ctr">
+            <a:lvl9pPr marL="823534" indent="0" algn="ctr">
               <a:buNone/>
               <a:defRPr>
                 <a:solidFill>
@@ -542,8 +542,8 @@
         </p:nvSpPr>
         <p:spPr>
           <a:xfrm>
-            <a:off x="1061085" y="40994"/>
-            <a:ext cx="328930" cy="868826"/>
+            <a:off x="522713" y="27945"/>
+            <a:ext cx="162038" cy="592263"/>
           </a:xfrm>
         </p:spPr>
         <p:txBody>
@@ -570,8 +570,8 @@
         </p:nvSpPr>
         <p:spPr>
           <a:xfrm>
-            <a:off x="73025" y="40994"/>
-            <a:ext cx="927100" cy="868826"/>
+            <a:off x="35973" y="27945"/>
+            <a:ext cx="456710" cy="592263"/>
           </a:xfrm>
         </p:spPr>
         <p:txBody>
@@ -886,15 +886,15 @@
         </p:nvSpPr>
         <p:spPr>
           <a:xfrm>
-            <a:off x="288925" y="1698495"/>
-            <a:ext cx="3108960" cy="524967"/>
+            <a:off x="142331" y="1157834"/>
+            <a:ext cx="1531541" cy="357860"/>
           </a:xfrm>
         </p:spPr>
         <p:txBody>
           <a:bodyPr anchor="t"/>
           <a:lstStyle>
             <a:lvl1pPr algn="l">
-              <a:defRPr sz="1600" b="1" cap="all"/>
+              <a:defRPr sz="900" b="1" cap="all"/>
             </a:lvl1pPr>
           </a:lstStyle>
           <a:p>
@@ -918,8 +918,8 @@
         </p:nvSpPr>
         <p:spPr>
           <a:xfrm>
-            <a:off x="288925" y="1120296"/>
-            <a:ext cx="3108960" cy="578197"/>
+            <a:off x="142331" y="763686"/>
+            <a:ext cx="1531541" cy="394146"/>
           </a:xfrm>
         </p:spPr>
         <p:txBody>
@@ -927,7 +927,7 @@
           <a:lstStyle>
             <a:lvl1pPr marL="0" indent="0">
               <a:buNone/>
-              <a:defRPr sz="800">
+              <a:defRPr sz="500">
                 <a:solidFill>
                   <a:schemeClr val="tx1">
                     <a:tint val="75000"/>
@@ -935,9 +935,9 @@
                 </a:solidFill>
               </a:defRPr>
             </a:lvl1pPr>
-            <a:lvl2pPr marL="180000" indent="0">
-              <a:buNone/>
-              <a:defRPr sz="700">
+            <a:lvl2pPr marL="102942" indent="0">
+              <a:buNone/>
+              <a:defRPr sz="400">
                 <a:solidFill>
                   <a:schemeClr val="tx1">
                     <a:tint val="75000"/>
@@ -945,9 +945,9 @@
                 </a:solidFill>
               </a:defRPr>
             </a:lvl2pPr>
-            <a:lvl3pPr marL="359999" indent="0">
-              <a:buNone/>
-              <a:defRPr sz="600">
+            <a:lvl3pPr marL="205883" indent="0">
+              <a:buNone/>
+              <a:defRPr sz="300">
                 <a:solidFill>
                   <a:schemeClr val="tx1">
                     <a:tint val="75000"/>
@@ -955,9 +955,9 @@
                 </a:solidFill>
               </a:defRPr>
             </a:lvl3pPr>
-            <a:lvl4pPr marL="539999" indent="0">
-              <a:buNone/>
-              <a:defRPr sz="600">
+            <a:lvl4pPr marL="308825" indent="0">
+              <a:buNone/>
+              <a:defRPr sz="300">
                 <a:solidFill>
                   <a:schemeClr val="tx1">
                     <a:tint val="75000"/>
@@ -965,9 +965,9 @@
                 </a:solidFill>
               </a:defRPr>
             </a:lvl4pPr>
-            <a:lvl5pPr marL="719999" indent="0">
-              <a:buNone/>
-              <a:defRPr sz="600">
+            <a:lvl5pPr marL="411767" indent="0">
+              <a:buNone/>
+              <a:defRPr sz="300">
                 <a:solidFill>
                   <a:schemeClr val="tx1">
                     <a:tint val="75000"/>
@@ -975,9 +975,9 @@
                 </a:solidFill>
               </a:defRPr>
             </a:lvl5pPr>
-            <a:lvl6pPr marL="899998" indent="0">
-              <a:buNone/>
-              <a:defRPr sz="600">
+            <a:lvl6pPr marL="514709" indent="0">
+              <a:buNone/>
+              <a:defRPr sz="300">
                 <a:solidFill>
                   <a:schemeClr val="tx1">
                     <a:tint val="75000"/>
@@ -985,9 +985,9 @@
                 </a:solidFill>
               </a:defRPr>
             </a:lvl6pPr>
-            <a:lvl7pPr marL="1079998" indent="0">
-              <a:buNone/>
-              <a:defRPr sz="600">
+            <a:lvl7pPr marL="617651" indent="0">
+              <a:buNone/>
+              <a:defRPr sz="300">
                 <a:solidFill>
                   <a:schemeClr val="tx1">
                     <a:tint val="75000"/>
@@ -995,9 +995,9 @@
                 </a:solidFill>
               </a:defRPr>
             </a:lvl7pPr>
-            <a:lvl8pPr marL="1259997" indent="0">
-              <a:buNone/>
-              <a:defRPr sz="600">
+            <a:lvl8pPr marL="720592" indent="0">
+              <a:buNone/>
+              <a:defRPr sz="300">
                 <a:solidFill>
                   <a:schemeClr val="tx1">
                     <a:tint val="75000"/>
@@ -1005,9 +1005,9 @@
                 </a:solidFill>
               </a:defRPr>
             </a:lvl8pPr>
-            <a:lvl9pPr marL="1439997" indent="0">
-              <a:buNone/>
-              <a:defRPr sz="600">
+            <a:lvl9pPr marL="823534" indent="0">
+              <a:buNone/>
+              <a:defRPr sz="300">
                 <a:solidFill>
                   <a:schemeClr val="tx1">
                     <a:tint val="75000"/>
@@ -1152,39 +1152,39 @@
         </p:nvSpPr>
         <p:spPr>
           <a:xfrm>
-            <a:off x="73026" y="238010"/>
-            <a:ext cx="628015" cy="671810"/>
+            <a:off x="35974" y="162247"/>
+            <a:ext cx="309374" cy="457961"/>
           </a:xfrm>
         </p:spPr>
         <p:txBody>
           <a:bodyPr/>
           <a:lstStyle>
             <a:lvl1pPr>
-              <a:defRPr sz="1100"/>
+              <a:defRPr sz="600"/>
             </a:lvl1pPr>
             <a:lvl2pPr>
-              <a:defRPr sz="900"/>
+              <a:defRPr sz="500"/>
             </a:lvl2pPr>
             <a:lvl3pPr>
-              <a:defRPr sz="800"/>
+              <a:defRPr sz="500"/>
             </a:lvl3pPr>
             <a:lvl4pPr>
-              <a:defRPr sz="700"/>
+              <a:defRPr sz="400"/>
             </a:lvl4pPr>
             <a:lvl5pPr>
-              <a:defRPr sz="700"/>
+              <a:defRPr sz="400"/>
             </a:lvl5pPr>
             <a:lvl6pPr>
-              <a:defRPr sz="700"/>
+              <a:defRPr sz="400"/>
             </a:lvl6pPr>
             <a:lvl7pPr>
-              <a:defRPr sz="700"/>
+              <a:defRPr sz="400"/>
             </a:lvl7pPr>
             <a:lvl8pPr>
-              <a:defRPr sz="700"/>
+              <a:defRPr sz="400"/>
             </a:lvl8pPr>
             <a:lvl9pPr>
-              <a:defRPr sz="700"/>
+              <a:defRPr sz="400"/>
             </a:lvl9pPr>
           </a:lstStyle>
           <a:p>
@@ -1237,39 +1237,39 @@
         </p:nvSpPr>
         <p:spPr>
           <a:xfrm>
-            <a:off x="762001" y="238010"/>
-            <a:ext cx="628015" cy="671810"/>
+            <a:off x="375378" y="162247"/>
+            <a:ext cx="309374" cy="457961"/>
           </a:xfrm>
         </p:spPr>
         <p:txBody>
           <a:bodyPr/>
           <a:lstStyle>
             <a:lvl1pPr>
-              <a:defRPr sz="1100"/>
+              <a:defRPr sz="600"/>
             </a:lvl1pPr>
             <a:lvl2pPr>
-              <a:defRPr sz="900"/>
+              <a:defRPr sz="500"/>
             </a:lvl2pPr>
             <a:lvl3pPr>
-              <a:defRPr sz="800"/>
+              <a:defRPr sz="500"/>
             </a:lvl3pPr>
             <a:lvl4pPr>
-              <a:defRPr sz="700"/>
+              <a:defRPr sz="400"/>
             </a:lvl4pPr>
             <a:lvl5pPr>
-              <a:defRPr sz="700"/>
+              <a:defRPr sz="400"/>
             </a:lvl5pPr>
             <a:lvl6pPr>
-              <a:defRPr sz="700"/>
+              <a:defRPr sz="400"/>
             </a:lvl6pPr>
             <a:lvl7pPr>
-              <a:defRPr sz="700"/>
+              <a:defRPr sz="400"/>
             </a:lvl7pPr>
             <a:lvl8pPr>
-              <a:defRPr sz="700"/>
+              <a:defRPr sz="400"/>
             </a:lvl8pPr>
             <a:lvl9pPr>
-              <a:defRPr sz="700"/>
+              <a:defRPr sz="400"/>
             </a:lvl9pPr>
           </a:lstStyle>
           <a:p>
@@ -1414,8 +1414,8 @@
         </p:nvSpPr>
         <p:spPr>
           <a:xfrm>
-            <a:off x="182880" y="105852"/>
-            <a:ext cx="3291840" cy="440531"/>
+            <a:off x="90091" y="72158"/>
+            <a:ext cx="1621632" cy="300302"/>
           </a:xfrm>
         </p:spPr>
         <p:txBody>
@@ -1446,8 +1446,8 @@
         </p:nvSpPr>
         <p:spPr>
           <a:xfrm>
-            <a:off x="182881" y="591660"/>
-            <a:ext cx="1616075" cy="246575"/>
+            <a:off x="90091" y="403324"/>
+            <a:ext cx="796114" cy="168086"/>
           </a:xfrm>
         </p:spPr>
         <p:txBody>
@@ -1455,39 +1455,39 @@
           <a:lstStyle>
             <a:lvl1pPr marL="0" indent="0">
               <a:buNone/>
-              <a:defRPr sz="900" b="1"/>
+              <a:defRPr sz="500" b="1"/>
             </a:lvl1pPr>
-            <a:lvl2pPr marL="180000" indent="0">
-              <a:buNone/>
-              <a:defRPr sz="800" b="1"/>
+            <a:lvl2pPr marL="102942" indent="0">
+              <a:buNone/>
+              <a:defRPr sz="500" b="1"/>
             </a:lvl2pPr>
-            <a:lvl3pPr marL="359999" indent="0">
-              <a:buNone/>
-              <a:defRPr sz="700" b="1"/>
+            <a:lvl3pPr marL="205883" indent="0">
+              <a:buNone/>
+              <a:defRPr sz="400" b="1"/>
             </a:lvl3pPr>
-            <a:lvl4pPr marL="539999" indent="0">
-              <a:buNone/>
-              <a:defRPr sz="600" b="1"/>
+            <a:lvl4pPr marL="308825" indent="0">
+              <a:buNone/>
+              <a:defRPr sz="300" b="1"/>
             </a:lvl4pPr>
-            <a:lvl5pPr marL="719999" indent="0">
-              <a:buNone/>
-              <a:defRPr sz="600" b="1"/>
+            <a:lvl5pPr marL="411767" indent="0">
+              <a:buNone/>
+              <a:defRPr sz="300" b="1"/>
             </a:lvl5pPr>
-            <a:lvl6pPr marL="899998" indent="0">
-              <a:buNone/>
-              <a:defRPr sz="600" b="1"/>
+            <a:lvl6pPr marL="514709" indent="0">
+              <a:buNone/>
+              <a:defRPr sz="300" b="1"/>
             </a:lvl6pPr>
-            <a:lvl7pPr marL="1079998" indent="0">
-              <a:buNone/>
-              <a:defRPr sz="600" b="1"/>
+            <a:lvl7pPr marL="617651" indent="0">
+              <a:buNone/>
+              <a:defRPr sz="300" b="1"/>
             </a:lvl7pPr>
-            <a:lvl8pPr marL="1259997" indent="0">
-              <a:buNone/>
-              <a:defRPr sz="600" b="1"/>
+            <a:lvl8pPr marL="720592" indent="0">
+              <a:buNone/>
+              <a:defRPr sz="300" b="1"/>
             </a:lvl8pPr>
-            <a:lvl9pPr marL="1439997" indent="0">
-              <a:buNone/>
-              <a:defRPr sz="600" b="1"/>
+            <a:lvl9pPr marL="823534" indent="0">
+              <a:buNone/>
+              <a:defRPr sz="300" b="1"/>
             </a:lvl9pPr>
           </a:lstStyle>
           <a:p>
@@ -1511,39 +1511,39 @@
         </p:nvSpPr>
         <p:spPr>
           <a:xfrm>
-            <a:off x="182881" y="838235"/>
-            <a:ext cx="1616075" cy="1522893"/>
+            <a:off x="90091" y="571410"/>
+            <a:ext cx="796114" cy="1038128"/>
           </a:xfrm>
         </p:spPr>
         <p:txBody>
           <a:bodyPr/>
           <a:lstStyle>
             <a:lvl1pPr>
-              <a:defRPr sz="900"/>
+              <a:defRPr sz="500"/>
             </a:lvl1pPr>
             <a:lvl2pPr>
-              <a:defRPr sz="800"/>
+              <a:defRPr sz="500"/>
             </a:lvl2pPr>
             <a:lvl3pPr>
-              <a:defRPr sz="700"/>
+              <a:defRPr sz="400"/>
             </a:lvl3pPr>
             <a:lvl4pPr>
-              <a:defRPr sz="600"/>
+              <a:defRPr sz="300"/>
             </a:lvl4pPr>
             <a:lvl5pPr>
-              <a:defRPr sz="600"/>
+              <a:defRPr sz="300"/>
             </a:lvl5pPr>
             <a:lvl6pPr>
-              <a:defRPr sz="600"/>
+              <a:defRPr sz="300"/>
             </a:lvl6pPr>
             <a:lvl7pPr>
-              <a:defRPr sz="600"/>
+              <a:defRPr sz="300"/>
             </a:lvl7pPr>
             <a:lvl8pPr>
-              <a:defRPr sz="600"/>
+              <a:defRPr sz="300"/>
             </a:lvl8pPr>
             <a:lvl9pPr>
-              <a:defRPr sz="600"/>
+              <a:defRPr sz="300"/>
             </a:lvl9pPr>
           </a:lstStyle>
           <a:p>
@@ -1596,8 +1596,8 @@
         </p:nvSpPr>
         <p:spPr>
           <a:xfrm>
-            <a:off x="1858010" y="591660"/>
-            <a:ext cx="1616710" cy="246575"/>
+            <a:off x="915296" y="403324"/>
+            <a:ext cx="796426" cy="168086"/>
           </a:xfrm>
         </p:spPr>
         <p:txBody>
@@ -1605,39 +1605,39 @@
           <a:lstStyle>
             <a:lvl1pPr marL="0" indent="0">
               <a:buNone/>
-              <a:defRPr sz="900" b="1"/>
+              <a:defRPr sz="500" b="1"/>
             </a:lvl1pPr>
-            <a:lvl2pPr marL="180000" indent="0">
-              <a:buNone/>
-              <a:defRPr sz="800" b="1"/>
+            <a:lvl2pPr marL="102942" indent="0">
+              <a:buNone/>
+              <a:defRPr sz="500" b="1"/>
             </a:lvl2pPr>
-            <a:lvl3pPr marL="359999" indent="0">
-              <a:buNone/>
-              <a:defRPr sz="700" b="1"/>
+            <a:lvl3pPr marL="205883" indent="0">
+              <a:buNone/>
+              <a:defRPr sz="400" b="1"/>
             </a:lvl3pPr>
-            <a:lvl4pPr marL="539999" indent="0">
-              <a:buNone/>
-              <a:defRPr sz="600" b="1"/>
+            <a:lvl4pPr marL="308825" indent="0">
+              <a:buNone/>
+              <a:defRPr sz="300" b="1"/>
             </a:lvl4pPr>
-            <a:lvl5pPr marL="719999" indent="0">
-              <a:buNone/>
-              <a:defRPr sz="600" b="1"/>
+            <a:lvl5pPr marL="411767" indent="0">
+              <a:buNone/>
+              <a:defRPr sz="300" b="1"/>
             </a:lvl5pPr>
-            <a:lvl6pPr marL="899998" indent="0">
-              <a:buNone/>
-              <a:defRPr sz="600" b="1"/>
+            <a:lvl6pPr marL="514709" indent="0">
+              <a:buNone/>
+              <a:defRPr sz="300" b="1"/>
             </a:lvl6pPr>
-            <a:lvl7pPr marL="1079998" indent="0">
-              <a:buNone/>
-              <a:defRPr sz="600" b="1"/>
+            <a:lvl7pPr marL="617651" indent="0">
+              <a:buNone/>
+              <a:defRPr sz="300" b="1"/>
             </a:lvl7pPr>
-            <a:lvl8pPr marL="1259997" indent="0">
-              <a:buNone/>
-              <a:defRPr sz="600" b="1"/>
+            <a:lvl8pPr marL="720592" indent="0">
+              <a:buNone/>
+              <a:defRPr sz="300" b="1"/>
             </a:lvl8pPr>
-            <a:lvl9pPr marL="1439997" indent="0">
-              <a:buNone/>
-              <a:defRPr sz="600" b="1"/>
+            <a:lvl9pPr marL="823534" indent="0">
+              <a:buNone/>
+              <a:defRPr sz="300" b="1"/>
             </a:lvl9pPr>
           </a:lstStyle>
           <a:p>
@@ -1661,39 +1661,39 @@
         </p:nvSpPr>
         <p:spPr>
           <a:xfrm>
-            <a:off x="1858010" y="838235"/>
-            <a:ext cx="1616710" cy="1522893"/>
+            <a:off x="915296" y="571410"/>
+            <a:ext cx="796426" cy="1038128"/>
           </a:xfrm>
         </p:spPr>
         <p:txBody>
           <a:bodyPr/>
           <a:lstStyle>
             <a:lvl1pPr>
-              <a:defRPr sz="900"/>
+              <a:defRPr sz="500"/>
             </a:lvl1pPr>
             <a:lvl2pPr>
-              <a:defRPr sz="800"/>
+              <a:defRPr sz="500"/>
             </a:lvl2pPr>
             <a:lvl3pPr>
-              <a:defRPr sz="700"/>
+              <a:defRPr sz="400"/>
             </a:lvl3pPr>
             <a:lvl4pPr>
-              <a:defRPr sz="600"/>
+              <a:defRPr sz="300"/>
             </a:lvl4pPr>
             <a:lvl5pPr>
-              <a:defRPr sz="600"/>
+              <a:defRPr sz="300"/>
             </a:lvl5pPr>
             <a:lvl6pPr>
-              <a:defRPr sz="600"/>
+              <a:defRPr sz="300"/>
             </a:lvl6pPr>
             <a:lvl7pPr>
-              <a:defRPr sz="600"/>
+              <a:defRPr sz="300"/>
             </a:lvl7pPr>
             <a:lvl8pPr>
-              <a:defRPr sz="600"/>
+              <a:defRPr sz="300"/>
             </a:lvl8pPr>
             <a:lvl9pPr>
-              <a:defRPr sz="600"/>
+              <a:defRPr sz="300"/>
             </a:lvl9pPr>
           </a:lstStyle>
           <a:p>
@@ -2045,15 +2045,15 @@
         </p:nvSpPr>
         <p:spPr>
           <a:xfrm>
-            <a:off x="182881" y="105238"/>
-            <a:ext cx="1203325" cy="447874"/>
+            <a:off x="90091" y="71739"/>
+            <a:ext cx="592784" cy="305308"/>
           </a:xfrm>
         </p:spPr>
         <p:txBody>
           <a:bodyPr anchor="b"/>
           <a:lstStyle>
             <a:lvl1pPr algn="l">
-              <a:defRPr sz="800" b="1"/>
+              <a:defRPr sz="500" b="1"/>
             </a:lvl1pPr>
           </a:lstStyle>
           <a:p>
@@ -2077,39 +2077,39 @@
         </p:nvSpPr>
         <p:spPr>
           <a:xfrm>
-            <a:off x="1430020" y="105238"/>
-            <a:ext cx="2044700" cy="2255888"/>
+            <a:off x="704459" y="71739"/>
+            <a:ext cx="1007264" cy="1537798"/>
           </a:xfrm>
         </p:spPr>
         <p:txBody>
           <a:bodyPr/>
           <a:lstStyle>
             <a:lvl1pPr>
-              <a:defRPr sz="1300"/>
+              <a:defRPr sz="700"/>
             </a:lvl1pPr>
             <a:lvl2pPr>
-              <a:defRPr sz="1100"/>
+              <a:defRPr sz="600"/>
             </a:lvl2pPr>
             <a:lvl3pPr>
-              <a:defRPr sz="900"/>
+              <a:defRPr sz="500"/>
             </a:lvl3pPr>
             <a:lvl4pPr>
-              <a:defRPr sz="800"/>
+              <a:defRPr sz="500"/>
             </a:lvl4pPr>
             <a:lvl5pPr>
-              <a:defRPr sz="800"/>
+              <a:defRPr sz="500"/>
             </a:lvl5pPr>
             <a:lvl6pPr>
-              <a:defRPr sz="800"/>
+              <a:defRPr sz="500"/>
             </a:lvl6pPr>
             <a:lvl7pPr>
-              <a:defRPr sz="800"/>
+              <a:defRPr sz="500"/>
             </a:lvl7pPr>
             <a:lvl8pPr>
-              <a:defRPr sz="800"/>
+              <a:defRPr sz="500"/>
             </a:lvl8pPr>
             <a:lvl9pPr>
-              <a:defRPr sz="800"/>
+              <a:defRPr sz="500"/>
             </a:lvl9pPr>
           </a:lstStyle>
           <a:p>
@@ -2162,8 +2162,8 @@
         </p:nvSpPr>
         <p:spPr>
           <a:xfrm>
-            <a:off x="182881" y="553112"/>
-            <a:ext cx="1203325" cy="1808014"/>
+            <a:off x="90091" y="377046"/>
+            <a:ext cx="592784" cy="1232490"/>
           </a:xfrm>
         </p:spPr>
         <p:txBody>
@@ -2171,39 +2171,39 @@
           <a:lstStyle>
             <a:lvl1pPr marL="0" indent="0">
               <a:buNone/>
-              <a:defRPr sz="600"/>
+              <a:defRPr sz="300"/>
             </a:lvl1pPr>
-            <a:lvl2pPr marL="180000" indent="0">
-              <a:buNone/>
-              <a:defRPr sz="500"/>
+            <a:lvl2pPr marL="102942" indent="0">
+              <a:buNone/>
+              <a:defRPr sz="300"/>
             </a:lvl2pPr>
-            <a:lvl3pPr marL="359999" indent="0">
-              <a:buNone/>
-              <a:defRPr sz="400"/>
+            <a:lvl3pPr marL="205883" indent="0">
+              <a:buNone/>
+              <a:defRPr sz="200"/>
             </a:lvl3pPr>
-            <a:lvl4pPr marL="539999" indent="0">
-              <a:buNone/>
-              <a:defRPr sz="400"/>
+            <a:lvl4pPr marL="308825" indent="0">
+              <a:buNone/>
+              <a:defRPr sz="200"/>
             </a:lvl4pPr>
-            <a:lvl5pPr marL="719999" indent="0">
-              <a:buNone/>
-              <a:defRPr sz="400"/>
+            <a:lvl5pPr marL="411767" indent="0">
+              <a:buNone/>
+              <a:defRPr sz="200"/>
             </a:lvl5pPr>
-            <a:lvl6pPr marL="899998" indent="0">
-              <a:buNone/>
-              <a:defRPr sz="400"/>
+            <a:lvl6pPr marL="514709" indent="0">
+              <a:buNone/>
+              <a:defRPr sz="200"/>
             </a:lvl6pPr>
-            <a:lvl7pPr marL="1079998" indent="0">
-              <a:buNone/>
-              <a:defRPr sz="400"/>
+            <a:lvl7pPr marL="617651" indent="0">
+              <a:buNone/>
+              <a:defRPr sz="200"/>
             </a:lvl7pPr>
-            <a:lvl8pPr marL="1259997" indent="0">
-              <a:buNone/>
-              <a:defRPr sz="400"/>
+            <a:lvl8pPr marL="720592" indent="0">
+              <a:buNone/>
+              <a:defRPr sz="200"/>
             </a:lvl8pPr>
-            <a:lvl9pPr marL="1439997" indent="0">
-              <a:buNone/>
-              <a:defRPr sz="400"/>
+            <a:lvl9pPr marL="823534" indent="0">
+              <a:buNone/>
+              <a:defRPr sz="200"/>
             </a:lvl9pPr>
           </a:lstStyle>
           <a:p>
@@ -2319,15 +2319,15 @@
         </p:nvSpPr>
         <p:spPr>
           <a:xfrm>
-            <a:off x="716915" y="1850232"/>
-            <a:ext cx="2194560" cy="218430"/>
+            <a:off x="353168" y="1261269"/>
+            <a:ext cx="1081088" cy="148900"/>
           </a:xfrm>
         </p:spPr>
         <p:txBody>
           <a:bodyPr anchor="b"/>
           <a:lstStyle>
             <a:lvl1pPr algn="l">
-              <a:defRPr sz="800" b="1"/>
+              <a:defRPr sz="500" b="1"/>
             </a:lvl1pPr>
           </a:lstStyle>
           <a:p>
@@ -2351,8 +2351,8 @@
         </p:nvSpPr>
         <p:spPr>
           <a:xfrm>
-            <a:off x="716915" y="236175"/>
-            <a:ext cx="2194560" cy="1585913"/>
+            <a:off x="353168" y="160996"/>
+            <a:ext cx="1081088" cy="1081088"/>
           </a:xfrm>
         </p:spPr>
         <p:txBody>
@@ -2360,39 +2360,39 @@
           <a:lstStyle>
             <a:lvl1pPr marL="0" indent="0">
               <a:buNone/>
-              <a:defRPr sz="1300"/>
+              <a:defRPr sz="700"/>
             </a:lvl1pPr>
-            <a:lvl2pPr marL="180000" indent="0">
-              <a:buNone/>
-              <a:defRPr sz="1100"/>
+            <a:lvl2pPr marL="102942" indent="0">
+              <a:buNone/>
+              <a:defRPr sz="600"/>
             </a:lvl2pPr>
-            <a:lvl3pPr marL="359999" indent="0">
-              <a:buNone/>
-              <a:defRPr sz="900"/>
+            <a:lvl3pPr marL="205883" indent="0">
+              <a:buNone/>
+              <a:defRPr sz="500"/>
             </a:lvl3pPr>
-            <a:lvl4pPr marL="539999" indent="0">
-              <a:buNone/>
-              <a:defRPr sz="800"/>
+            <a:lvl4pPr marL="308825" indent="0">
+              <a:buNone/>
+              <a:defRPr sz="500"/>
             </a:lvl4pPr>
-            <a:lvl5pPr marL="719999" indent="0">
-              <a:buNone/>
-              <a:defRPr sz="800"/>
+            <a:lvl5pPr marL="411767" indent="0">
+              <a:buNone/>
+              <a:defRPr sz="500"/>
             </a:lvl5pPr>
-            <a:lvl6pPr marL="899998" indent="0">
-              <a:buNone/>
-              <a:defRPr sz="800"/>
+            <a:lvl6pPr marL="514709" indent="0">
+              <a:buNone/>
+              <a:defRPr sz="500"/>
             </a:lvl6pPr>
-            <a:lvl7pPr marL="1079998" indent="0">
-              <a:buNone/>
-              <a:defRPr sz="800"/>
+            <a:lvl7pPr marL="617651" indent="0">
+              <a:buNone/>
+              <a:defRPr sz="500"/>
             </a:lvl7pPr>
-            <a:lvl8pPr marL="1259997" indent="0">
-              <a:buNone/>
-              <a:defRPr sz="800"/>
+            <a:lvl8pPr marL="720592" indent="0">
+              <a:buNone/>
+              <a:defRPr sz="500"/>
             </a:lvl8pPr>
-            <a:lvl9pPr marL="1439997" indent="0">
-              <a:buNone/>
-              <a:defRPr sz="800"/>
+            <a:lvl9pPr marL="823534" indent="0">
+              <a:buNone/>
+              <a:defRPr sz="500"/>
             </a:lvl9pPr>
           </a:lstStyle>
           <a:p>
@@ -2412,8 +2412,8 @@
         </p:nvSpPr>
         <p:spPr>
           <a:xfrm>
-            <a:off x="716915" y="2068664"/>
-            <a:ext cx="2194560" cy="310207"/>
+            <a:off x="353168" y="1410171"/>
+            <a:ext cx="1081088" cy="211462"/>
           </a:xfrm>
         </p:spPr>
         <p:txBody>
@@ -2421,39 +2421,39 @@
           <a:lstStyle>
             <a:lvl1pPr marL="0" indent="0">
               <a:buNone/>
-              <a:defRPr sz="600"/>
+              <a:defRPr sz="300"/>
             </a:lvl1pPr>
-            <a:lvl2pPr marL="180000" indent="0">
-              <a:buNone/>
-              <a:defRPr sz="500"/>
+            <a:lvl2pPr marL="102942" indent="0">
+              <a:buNone/>
+              <a:defRPr sz="300"/>
             </a:lvl2pPr>
-            <a:lvl3pPr marL="359999" indent="0">
-              <a:buNone/>
-              <a:defRPr sz="400"/>
+            <a:lvl3pPr marL="205883" indent="0">
+              <a:buNone/>
+              <a:defRPr sz="200"/>
             </a:lvl3pPr>
-            <a:lvl4pPr marL="539999" indent="0">
-              <a:buNone/>
-              <a:defRPr sz="400"/>
+            <a:lvl4pPr marL="308825" indent="0">
+              <a:buNone/>
+              <a:defRPr sz="200"/>
             </a:lvl4pPr>
-            <a:lvl5pPr marL="719999" indent="0">
-              <a:buNone/>
-              <a:defRPr sz="400"/>
+            <a:lvl5pPr marL="411767" indent="0">
+              <a:buNone/>
+              <a:defRPr sz="200"/>
             </a:lvl5pPr>
-            <a:lvl6pPr marL="899998" indent="0">
-              <a:buNone/>
-              <a:defRPr sz="400"/>
+            <a:lvl6pPr marL="514709" indent="0">
+              <a:buNone/>
+              <a:defRPr sz="200"/>
             </a:lvl6pPr>
-            <a:lvl7pPr marL="1079998" indent="0">
-              <a:buNone/>
-              <a:defRPr sz="400"/>
+            <a:lvl7pPr marL="617651" indent="0">
+              <a:buNone/>
+              <a:defRPr sz="200"/>
             </a:lvl7pPr>
-            <a:lvl8pPr marL="1259997" indent="0">
-              <a:buNone/>
-              <a:defRPr sz="400"/>
+            <a:lvl8pPr marL="720592" indent="0">
+              <a:buNone/>
+              <a:defRPr sz="200"/>
             </a:lvl8pPr>
-            <a:lvl9pPr marL="1439997" indent="0">
-              <a:buNone/>
-              <a:defRPr sz="400"/>
+            <a:lvl9pPr marL="823534" indent="0">
+              <a:buNone/>
+              <a:defRPr sz="200"/>
             </a:lvl9pPr>
           </a:lstStyle>
           <a:p>
@@ -2574,15 +2574,15 @@
         </p:nvSpPr>
         <p:spPr>
           <a:xfrm>
-            <a:off x="182880" y="105852"/>
-            <a:ext cx="3291840" cy="440531"/>
+            <a:off x="90091" y="72158"/>
+            <a:ext cx="1621632" cy="300302"/>
           </a:xfrm>
           <a:prstGeom prst="rect">
             <a:avLst/>
           </a:prstGeom>
         </p:spPr>
         <p:txBody>
-          <a:bodyPr vert="horz" lIns="36000" tIns="18000" rIns="36000" bIns="18000" rtlCol="0" anchor="ctr">
+          <a:bodyPr vert="horz" lIns="20588" tIns="10294" rIns="20588" bIns="10294" rtlCol="0" anchor="ctr">
             <a:normAutofit/>
           </a:bodyPr>
           <a:lstStyle/>
@@ -2607,15 +2607,15 @@
         </p:nvSpPr>
         <p:spPr>
           <a:xfrm>
-            <a:off x="182880" y="616744"/>
-            <a:ext cx="3291840" cy="1744382"/>
+            <a:off x="90091" y="420423"/>
+            <a:ext cx="1621632" cy="1189113"/>
           </a:xfrm>
           <a:prstGeom prst="rect">
             <a:avLst/>
           </a:prstGeom>
         </p:spPr>
         <p:txBody>
-          <a:bodyPr vert="horz" lIns="36000" tIns="18000" rIns="36000" bIns="18000" rtlCol="0">
+          <a:bodyPr vert="horz" lIns="20588" tIns="10294" rIns="20588" bIns="10294" rtlCol="0">
             <a:normAutofit/>
           </a:bodyPr>
           <a:lstStyle/>
@@ -2669,18 +2669,18 @@
         </p:nvSpPr>
         <p:spPr>
           <a:xfrm>
-            <a:off x="182880" y="2449846"/>
-            <a:ext cx="853440" cy="140725"/>
+            <a:off x="90091" y="1670015"/>
+            <a:ext cx="420423" cy="95930"/>
           </a:xfrm>
           <a:prstGeom prst="rect">
             <a:avLst/>
           </a:prstGeom>
         </p:spPr>
         <p:txBody>
-          <a:bodyPr vert="horz" lIns="36000" tIns="18000" rIns="36000" bIns="18000" rtlCol="0" anchor="ctr"/>
+          <a:bodyPr vert="horz" lIns="20588" tIns="10294" rIns="20588" bIns="10294" rtlCol="0" anchor="ctr"/>
           <a:lstStyle>
             <a:lvl1pPr algn="l">
-              <a:defRPr sz="500">
+              <a:defRPr sz="300">
                 <a:solidFill>
                   <a:schemeClr val="tx1">
                     <a:tint val="75000"/>
@@ -2711,18 +2711,18 @@
         </p:nvSpPr>
         <p:spPr>
           <a:xfrm>
-            <a:off x="1249680" y="2449846"/>
-            <a:ext cx="1158240" cy="140725"/>
+            <a:off x="615620" y="1670015"/>
+            <a:ext cx="570574" cy="95930"/>
           </a:xfrm>
           <a:prstGeom prst="rect">
             <a:avLst/>
           </a:prstGeom>
         </p:spPr>
         <p:txBody>
-          <a:bodyPr vert="horz" lIns="36000" tIns="18000" rIns="36000" bIns="18000" rtlCol="0" anchor="ctr"/>
+          <a:bodyPr vert="horz" lIns="20588" tIns="10294" rIns="20588" bIns="10294" rtlCol="0" anchor="ctr"/>
           <a:lstStyle>
             <a:lvl1pPr algn="ctr">
-              <a:defRPr sz="500">
+              <a:defRPr sz="300">
                 <a:solidFill>
                   <a:schemeClr val="tx1">
                     <a:tint val="75000"/>
@@ -2748,18 +2748,18 @@
         </p:nvSpPr>
         <p:spPr>
           <a:xfrm>
-            <a:off x="2621280" y="2449846"/>
-            <a:ext cx="853440" cy="140725"/>
+            <a:off x="1291299" y="1670015"/>
+            <a:ext cx="420423" cy="95930"/>
           </a:xfrm>
           <a:prstGeom prst="rect">
             <a:avLst/>
           </a:prstGeom>
         </p:spPr>
         <p:txBody>
-          <a:bodyPr vert="horz" lIns="36000" tIns="18000" rIns="36000" bIns="18000" rtlCol="0" anchor="ctr"/>
+          <a:bodyPr vert="horz" lIns="20588" tIns="10294" rIns="20588" bIns="10294" rtlCol="0" anchor="ctr"/>
           <a:lstStyle>
             <a:lvl1pPr algn="r">
-              <a:defRPr sz="500">
+              <a:defRPr sz="300">
                 <a:solidFill>
                   <a:schemeClr val="tx1">
                     <a:tint val="75000"/>
@@ -2796,12 +2796,12 @@
   </p:sldLayoutIdLst>
   <p:txStyles>
     <p:titleStyle>
-      <a:lvl1pPr algn="ctr" defTabSz="180000" rtl="0" eaLnBrk="1" latinLnBrk="0" hangingPunct="1">
+      <a:lvl1pPr algn="ctr" defTabSz="102942" rtl="0" eaLnBrk="1" latinLnBrk="0" hangingPunct="1">
         <a:spcBef>
           <a:spcPct val="0"/>
         </a:spcBef>
         <a:buNone/>
-        <a:defRPr sz="1700" kern="1200">
+        <a:defRPr sz="1000" kern="1200">
           <a:solidFill>
             <a:schemeClr val="tx1"/>
           </a:solidFill>
@@ -2812,13 +2812,13 @@
       </a:lvl1pPr>
     </p:titleStyle>
     <p:bodyStyle>
-      <a:lvl1pPr marL="135000" indent="-135000" algn="l" defTabSz="180000" rtl="0" eaLnBrk="1" latinLnBrk="0" hangingPunct="1">
+      <a:lvl1pPr marL="77207" indent="-77207" algn="l" defTabSz="102942" rtl="0" eaLnBrk="1" latinLnBrk="0" hangingPunct="1">
         <a:spcBef>
           <a:spcPct val="20000"/>
         </a:spcBef>
         <a:buFont typeface="Arial"/>
         <a:buChar char="•"/>
-        <a:defRPr sz="1300" kern="1200">
+        <a:defRPr sz="700" kern="1200">
           <a:solidFill>
             <a:schemeClr val="tx1"/>
           </a:solidFill>
@@ -2827,13 +2827,13 @@
           <a:cs typeface="+mn-cs"/>
         </a:defRPr>
       </a:lvl1pPr>
-      <a:lvl2pPr marL="292499" indent="-112500" algn="l" defTabSz="180000" rtl="0" eaLnBrk="1" latinLnBrk="0" hangingPunct="1">
+      <a:lvl2pPr marL="167280" indent="-64339" algn="l" defTabSz="102942" rtl="0" eaLnBrk="1" latinLnBrk="0" hangingPunct="1">
         <a:spcBef>
           <a:spcPct val="20000"/>
         </a:spcBef>
         <a:buFont typeface="Arial"/>
         <a:buChar char="–"/>
-        <a:defRPr sz="1100" kern="1200">
+        <a:defRPr sz="600" kern="1200">
           <a:solidFill>
             <a:schemeClr val="tx1"/>
           </a:solidFill>
@@ -2842,13 +2842,13 @@
           <a:cs typeface="+mn-cs"/>
         </a:defRPr>
       </a:lvl2pPr>
-      <a:lvl3pPr marL="449999" indent="-90000" algn="l" defTabSz="180000" rtl="0" eaLnBrk="1" latinLnBrk="0" hangingPunct="1">
+      <a:lvl3pPr marL="257354" indent="-51471" algn="l" defTabSz="102942" rtl="0" eaLnBrk="1" latinLnBrk="0" hangingPunct="1">
         <a:spcBef>
           <a:spcPct val="20000"/>
         </a:spcBef>
         <a:buFont typeface="Arial"/>
         <a:buChar char="•"/>
-        <a:defRPr sz="900" kern="1200">
+        <a:defRPr sz="500" kern="1200">
           <a:solidFill>
             <a:schemeClr val="tx1"/>
           </a:solidFill>
@@ -2857,13 +2857,13 @@
           <a:cs typeface="+mn-cs"/>
         </a:defRPr>
       </a:lvl3pPr>
-      <a:lvl4pPr marL="629999" indent="-90000" algn="l" defTabSz="180000" rtl="0" eaLnBrk="1" latinLnBrk="0" hangingPunct="1">
+      <a:lvl4pPr marL="360296" indent="-51471" algn="l" defTabSz="102942" rtl="0" eaLnBrk="1" latinLnBrk="0" hangingPunct="1">
         <a:spcBef>
           <a:spcPct val="20000"/>
         </a:spcBef>
         <a:buFont typeface="Arial"/>
         <a:buChar char="–"/>
-        <a:defRPr sz="800" kern="1200">
+        <a:defRPr sz="500" kern="1200">
           <a:solidFill>
             <a:schemeClr val="tx1"/>
           </a:solidFill>
@@ -2872,13 +2872,13 @@
           <a:cs typeface="+mn-cs"/>
         </a:defRPr>
       </a:lvl4pPr>
-      <a:lvl5pPr marL="809998" indent="-90000" algn="l" defTabSz="180000" rtl="0" eaLnBrk="1" latinLnBrk="0" hangingPunct="1">
+      <a:lvl5pPr marL="463238" indent="-51471" algn="l" defTabSz="102942" rtl="0" eaLnBrk="1" latinLnBrk="0" hangingPunct="1">
         <a:spcBef>
           <a:spcPct val="20000"/>
         </a:spcBef>
         <a:buFont typeface="Arial"/>
         <a:buChar char="»"/>
-        <a:defRPr sz="800" kern="1200">
+        <a:defRPr sz="500" kern="1200">
           <a:solidFill>
             <a:schemeClr val="tx1"/>
           </a:solidFill>
@@ -2887,13 +2887,13 @@
           <a:cs typeface="+mn-cs"/>
         </a:defRPr>
       </a:lvl5pPr>
-      <a:lvl6pPr marL="989998" indent="-90000" algn="l" defTabSz="180000" rtl="0" eaLnBrk="1" latinLnBrk="0" hangingPunct="1">
+      <a:lvl6pPr marL="566180" indent="-51471" algn="l" defTabSz="102942" rtl="0" eaLnBrk="1" latinLnBrk="0" hangingPunct="1">
         <a:spcBef>
           <a:spcPct val="20000"/>
         </a:spcBef>
         <a:buFont typeface="Arial"/>
         <a:buChar char="•"/>
-        <a:defRPr sz="800" kern="1200">
+        <a:defRPr sz="500" kern="1200">
           <a:solidFill>
             <a:schemeClr val="tx1"/>
           </a:solidFill>
@@ -2902,13 +2902,13 @@
           <a:cs typeface="+mn-cs"/>
         </a:defRPr>
       </a:lvl6pPr>
-      <a:lvl7pPr marL="1169998" indent="-90000" algn="l" defTabSz="180000" rtl="0" eaLnBrk="1" latinLnBrk="0" hangingPunct="1">
+      <a:lvl7pPr marL="669122" indent="-51471" algn="l" defTabSz="102942" rtl="0" eaLnBrk="1" latinLnBrk="0" hangingPunct="1">
         <a:spcBef>
           <a:spcPct val="20000"/>
         </a:spcBef>
         <a:buFont typeface="Arial"/>
         <a:buChar char="•"/>
-        <a:defRPr sz="800" kern="1200">
+        <a:defRPr sz="500" kern="1200">
           <a:solidFill>
             <a:schemeClr val="tx1"/>
           </a:solidFill>
@@ -2917,13 +2917,13 @@
           <a:cs typeface="+mn-cs"/>
         </a:defRPr>
       </a:lvl7pPr>
-      <a:lvl8pPr marL="1349997" indent="-90000" algn="l" defTabSz="180000" rtl="0" eaLnBrk="1" latinLnBrk="0" hangingPunct="1">
+      <a:lvl8pPr marL="772063" indent="-51471" algn="l" defTabSz="102942" rtl="0" eaLnBrk="1" latinLnBrk="0" hangingPunct="1">
         <a:spcBef>
           <a:spcPct val="20000"/>
         </a:spcBef>
         <a:buFont typeface="Arial"/>
         <a:buChar char="•"/>
-        <a:defRPr sz="800" kern="1200">
+        <a:defRPr sz="500" kern="1200">
           <a:solidFill>
             <a:schemeClr val="tx1"/>
           </a:solidFill>
@@ -2932,13 +2932,13 @@
           <a:cs typeface="+mn-cs"/>
         </a:defRPr>
       </a:lvl8pPr>
-      <a:lvl9pPr marL="1529997" indent="-90000" algn="l" defTabSz="180000" rtl="0" eaLnBrk="1" latinLnBrk="0" hangingPunct="1">
+      <a:lvl9pPr marL="875005" indent="-51471" algn="l" defTabSz="102942" rtl="0" eaLnBrk="1" latinLnBrk="0" hangingPunct="1">
         <a:spcBef>
           <a:spcPct val="20000"/>
         </a:spcBef>
         <a:buFont typeface="Arial"/>
         <a:buChar char="•"/>
-        <a:defRPr sz="800" kern="1200">
+        <a:defRPr sz="500" kern="1200">
           <a:solidFill>
             <a:schemeClr val="tx1"/>
           </a:solidFill>
@@ -2952,8 +2952,8 @@
       <a:defPPr>
         <a:defRPr lang="en-US"/>
       </a:defPPr>
-      <a:lvl1pPr marL="0" algn="l" defTabSz="180000" rtl="0" eaLnBrk="1" latinLnBrk="0" hangingPunct="1">
-        <a:defRPr sz="700" kern="1200">
+      <a:lvl1pPr marL="0" algn="l" defTabSz="102942" rtl="0" eaLnBrk="1" latinLnBrk="0" hangingPunct="1">
+        <a:defRPr sz="400" kern="1200">
           <a:solidFill>
             <a:schemeClr val="tx1"/>
           </a:solidFill>
@@ -2962,8 +2962,8 @@
           <a:cs typeface="+mn-cs"/>
         </a:defRPr>
       </a:lvl1pPr>
-      <a:lvl2pPr marL="180000" algn="l" defTabSz="180000" rtl="0" eaLnBrk="1" latinLnBrk="0" hangingPunct="1">
-        <a:defRPr sz="700" kern="1200">
+      <a:lvl2pPr marL="102942" algn="l" defTabSz="102942" rtl="0" eaLnBrk="1" latinLnBrk="0" hangingPunct="1">
+        <a:defRPr sz="400" kern="1200">
           <a:solidFill>
             <a:schemeClr val="tx1"/>
           </a:solidFill>
@@ -2972,8 +2972,8 @@
           <a:cs typeface="+mn-cs"/>
         </a:defRPr>
       </a:lvl2pPr>
-      <a:lvl3pPr marL="359999" algn="l" defTabSz="180000" rtl="0" eaLnBrk="1" latinLnBrk="0" hangingPunct="1">
-        <a:defRPr sz="700" kern="1200">
+      <a:lvl3pPr marL="205883" algn="l" defTabSz="102942" rtl="0" eaLnBrk="1" latinLnBrk="0" hangingPunct="1">
+        <a:defRPr sz="400" kern="1200">
           <a:solidFill>
             <a:schemeClr val="tx1"/>
           </a:solidFill>
@@ -2982,8 +2982,8 @@
           <a:cs typeface="+mn-cs"/>
         </a:defRPr>
       </a:lvl3pPr>
-      <a:lvl4pPr marL="539999" algn="l" defTabSz="180000" rtl="0" eaLnBrk="1" latinLnBrk="0" hangingPunct="1">
-        <a:defRPr sz="700" kern="1200">
+      <a:lvl4pPr marL="308825" algn="l" defTabSz="102942" rtl="0" eaLnBrk="1" latinLnBrk="0" hangingPunct="1">
+        <a:defRPr sz="400" kern="1200">
           <a:solidFill>
             <a:schemeClr val="tx1"/>
           </a:solidFill>
@@ -2992,8 +2992,8 @@
           <a:cs typeface="+mn-cs"/>
         </a:defRPr>
       </a:lvl4pPr>
-      <a:lvl5pPr marL="719999" algn="l" defTabSz="180000" rtl="0" eaLnBrk="1" latinLnBrk="0" hangingPunct="1">
-        <a:defRPr sz="700" kern="1200">
+      <a:lvl5pPr marL="411767" algn="l" defTabSz="102942" rtl="0" eaLnBrk="1" latinLnBrk="0" hangingPunct="1">
+        <a:defRPr sz="400" kern="1200">
           <a:solidFill>
             <a:schemeClr val="tx1"/>
           </a:solidFill>
@@ -3002,8 +3002,8 @@
           <a:cs typeface="+mn-cs"/>
         </a:defRPr>
       </a:lvl5pPr>
-      <a:lvl6pPr marL="899998" algn="l" defTabSz="180000" rtl="0" eaLnBrk="1" latinLnBrk="0" hangingPunct="1">
-        <a:defRPr sz="700" kern="1200">
+      <a:lvl6pPr marL="514709" algn="l" defTabSz="102942" rtl="0" eaLnBrk="1" latinLnBrk="0" hangingPunct="1">
+        <a:defRPr sz="400" kern="1200">
           <a:solidFill>
             <a:schemeClr val="tx1"/>
           </a:solidFill>
@@ -3012,8 +3012,8 @@
           <a:cs typeface="+mn-cs"/>
         </a:defRPr>
       </a:lvl6pPr>
-      <a:lvl7pPr marL="1079998" algn="l" defTabSz="180000" rtl="0" eaLnBrk="1" latinLnBrk="0" hangingPunct="1">
-        <a:defRPr sz="700" kern="1200">
+      <a:lvl7pPr marL="617651" algn="l" defTabSz="102942" rtl="0" eaLnBrk="1" latinLnBrk="0" hangingPunct="1">
+        <a:defRPr sz="400" kern="1200">
           <a:solidFill>
             <a:schemeClr val="tx1"/>
           </a:solidFill>
@@ -3022,8 +3022,8 @@
           <a:cs typeface="+mn-cs"/>
         </a:defRPr>
       </a:lvl7pPr>
-      <a:lvl8pPr marL="1259997" algn="l" defTabSz="180000" rtl="0" eaLnBrk="1" latinLnBrk="0" hangingPunct="1">
-        <a:defRPr sz="700" kern="1200">
+      <a:lvl8pPr marL="720592" algn="l" defTabSz="102942" rtl="0" eaLnBrk="1" latinLnBrk="0" hangingPunct="1">
+        <a:defRPr sz="400" kern="1200">
           <a:solidFill>
             <a:schemeClr val="tx1"/>
           </a:solidFill>
@@ -3032,8 +3032,8 @@
           <a:cs typeface="+mn-cs"/>
         </a:defRPr>
       </a:lvl8pPr>
-      <a:lvl9pPr marL="1439997" algn="l" defTabSz="180000" rtl="0" eaLnBrk="1" latinLnBrk="0" hangingPunct="1">
-        <a:defRPr sz="700" kern="1200">
+      <a:lvl9pPr marL="823534" algn="l" defTabSz="102942" rtl="0" eaLnBrk="1" latinLnBrk="0" hangingPunct="1">
+        <a:defRPr sz="400" kern="1200">
           <a:solidFill>
             <a:schemeClr val="tx1"/>
           </a:solidFill>
@@ -3064,6 +3064,76 @@
           <a:chExt cx="0" cy="0"/>
         </a:xfrm>
       </p:grpSpPr>
+      <p:pic>
+        <p:nvPicPr>
+          <p:cNvPr id="9" name="Picture 8" descr="Screen Shot 2016-11-01 at 10.30.03 PM.png"/>
+          <p:cNvPicPr>
+            <a:picLocks noChangeAspect="1"/>
+          </p:cNvPicPr>
+          <p:nvPr/>
+        </p:nvPicPr>
+        <p:blipFill>
+          <a:blip r:embed="rId2">
+            <a:clrChange>
+              <a:clrFrom>
+                <a:srgbClr val="FFFFFF"/>
+              </a:clrFrom>
+              <a:clrTo>
+                <a:srgbClr val="FFFFFF">
+                  <a:alpha val="0"/>
+                </a:srgbClr>
+              </a:clrTo>
+            </a:clrChange>
+          </a:blip>
+          <a:stretch>
+            <a:fillRect/>
+          </a:stretch>
+        </p:blipFill>
+        <p:spPr>
+          <a:xfrm>
+            <a:off x="-33703" y="214802"/>
+            <a:ext cx="1515087" cy="1341552"/>
+          </a:xfrm>
+          <a:prstGeom prst="rect">
+            <a:avLst/>
+          </a:prstGeom>
+        </p:spPr>
+      </p:pic>
+      <p:pic>
+        <p:nvPicPr>
+          <p:cNvPr id="10" name="Picture 9" descr="Screen Shot 2016-11-01 at 10.30.31 PM.png"/>
+          <p:cNvPicPr>
+            <a:picLocks noChangeAspect="1"/>
+          </p:cNvPicPr>
+          <p:nvPr/>
+        </p:nvPicPr>
+        <p:blipFill>
+          <a:blip r:embed="rId3">
+            <a:clrChange>
+              <a:clrFrom>
+                <a:srgbClr val="FFFFFF"/>
+              </a:clrFrom>
+              <a:clrTo>
+                <a:srgbClr val="FFFFFF">
+                  <a:alpha val="0"/>
+                </a:srgbClr>
+              </a:clrTo>
+            </a:clrChange>
+          </a:blip>
+          <a:stretch>
+            <a:fillRect/>
+          </a:stretch>
+        </p:blipFill>
+        <p:spPr>
+          <a:xfrm>
+            <a:off x="1337183" y="171524"/>
+            <a:ext cx="410279" cy="505610"/>
+          </a:xfrm>
+          <a:prstGeom prst="rect">
+            <a:avLst/>
+          </a:prstGeom>
+        </p:spPr>
+      </p:pic>
     </p:spTree>
   </p:cSld>
   <p:clrMapOvr>
